--- a/Project-2.pptx
+++ b/Project-2.pptx
@@ -104,6 +104,11 @@
       </a:defRPr>
     </a:lvl9pPr>
   </p:defaultTextStyle>
+  <p:extLst>
+    <p:ext uri="{EFAFB233-063F-42B5-8137-9DF3F51BA10A}">
+      <p15:sldGuideLst xmlns:p15="http://schemas.microsoft.com/office/powerpoint/2012/main"/>
+    </p:ext>
+  </p:extLst>
 </p:presentation>
 </file>
 
@@ -238,7 +243,7 @@
           <a:p>
             <a:fld id="{3D7E49C7-1AE3-0F49-895F-28F824CDA63D}" type="datetimeFigureOut">
               <a:rPr lang="en-US" smtClean="0"/>
-              <a:t>8/1/17</a:t>
+              <a:t>8/2/17</a:t>
             </a:fld>
             <a:endParaRPr lang="en-US"/>
           </a:p>
@@ -408,7 +413,7 @@
           <a:p>
             <a:fld id="{3D7E49C7-1AE3-0F49-895F-28F824CDA63D}" type="datetimeFigureOut">
               <a:rPr lang="en-US" smtClean="0"/>
-              <a:t>8/1/17</a:t>
+              <a:t>8/2/17</a:t>
             </a:fld>
             <a:endParaRPr lang="en-US"/>
           </a:p>
@@ -588,7 +593,7 @@
           <a:p>
             <a:fld id="{3D7E49C7-1AE3-0F49-895F-28F824CDA63D}" type="datetimeFigureOut">
               <a:rPr lang="en-US" smtClean="0"/>
-              <a:t>8/1/17</a:t>
+              <a:t>8/2/17</a:t>
             </a:fld>
             <a:endParaRPr lang="en-US"/>
           </a:p>
@@ -758,7 +763,7 @@
           <a:p>
             <a:fld id="{3D7E49C7-1AE3-0F49-895F-28F824CDA63D}" type="datetimeFigureOut">
               <a:rPr lang="en-US" smtClean="0"/>
-              <a:t>8/1/17</a:t>
+              <a:t>8/2/17</a:t>
             </a:fld>
             <a:endParaRPr lang="en-US"/>
           </a:p>
@@ -1004,7 +1009,7 @@
           <a:p>
             <a:fld id="{3D7E49C7-1AE3-0F49-895F-28F824CDA63D}" type="datetimeFigureOut">
               <a:rPr lang="en-US" smtClean="0"/>
-              <a:t>8/1/17</a:t>
+              <a:t>8/2/17</a:t>
             </a:fld>
             <a:endParaRPr lang="en-US"/>
           </a:p>
@@ -1236,7 +1241,7 @@
           <a:p>
             <a:fld id="{3D7E49C7-1AE3-0F49-895F-28F824CDA63D}" type="datetimeFigureOut">
               <a:rPr lang="en-US" smtClean="0"/>
-              <a:t>8/1/17</a:t>
+              <a:t>8/2/17</a:t>
             </a:fld>
             <a:endParaRPr lang="en-US"/>
           </a:p>
@@ -1603,7 +1608,7 @@
           <a:p>
             <a:fld id="{3D7E49C7-1AE3-0F49-895F-28F824CDA63D}" type="datetimeFigureOut">
               <a:rPr lang="en-US" smtClean="0"/>
-              <a:t>8/1/17</a:t>
+              <a:t>8/2/17</a:t>
             </a:fld>
             <a:endParaRPr lang="en-US"/>
           </a:p>
@@ -1721,7 +1726,7 @@
           <a:p>
             <a:fld id="{3D7E49C7-1AE3-0F49-895F-28F824CDA63D}" type="datetimeFigureOut">
               <a:rPr lang="en-US" smtClean="0"/>
-              <a:t>8/1/17</a:t>
+              <a:t>8/2/17</a:t>
             </a:fld>
             <a:endParaRPr lang="en-US"/>
           </a:p>
@@ -1816,7 +1821,7 @@
           <a:p>
             <a:fld id="{3D7E49C7-1AE3-0F49-895F-28F824CDA63D}" type="datetimeFigureOut">
               <a:rPr lang="en-US" smtClean="0"/>
-              <a:t>8/1/17</a:t>
+              <a:t>8/2/17</a:t>
             </a:fld>
             <a:endParaRPr lang="en-US"/>
           </a:p>
@@ -2093,7 +2098,7 @@
           <a:p>
             <a:fld id="{3D7E49C7-1AE3-0F49-895F-28F824CDA63D}" type="datetimeFigureOut">
               <a:rPr lang="en-US" smtClean="0"/>
-              <a:t>8/1/17</a:t>
+              <a:t>8/2/17</a:t>
             </a:fld>
             <a:endParaRPr lang="en-US"/>
           </a:p>
@@ -2346,7 +2351,7 @@
           <a:p>
             <a:fld id="{3D7E49C7-1AE3-0F49-895F-28F824CDA63D}" type="datetimeFigureOut">
               <a:rPr lang="en-US" smtClean="0"/>
-              <a:t>8/1/17</a:t>
+              <a:t>8/2/17</a:t>
             </a:fld>
             <a:endParaRPr lang="en-US"/>
           </a:p>
@@ -2559,7 +2564,7 @@
           <a:p>
             <a:fld id="{3D7E49C7-1AE3-0F49-895F-28F824CDA63D}" type="datetimeFigureOut">
               <a:rPr lang="en-US" smtClean="0"/>
-              <a:t>8/1/17</a:t>
+              <a:t>8/2/17</a:t>
             </a:fld>
             <a:endParaRPr lang="en-US"/>
           </a:p>
@@ -2966,7 +2971,7 @@
       </p:grpSpPr>
       <p:pic>
         <p:nvPicPr>
-          <p:cNvPr id="5" name="Picture 4"/>
+          <p:cNvPr id="7" name="Picture 6"/>
           <p:cNvPicPr>
             <a:picLocks noChangeAspect="1"/>
           </p:cNvPicPr>
@@ -2986,8 +2991,8 @@
         </p:blipFill>
         <p:spPr>
           <a:xfrm>
-            <a:off x="466930" y="803069"/>
-            <a:ext cx="6210300" cy="4800600"/>
+            <a:off x="7209642" y="433119"/>
+            <a:ext cx="3240644" cy="4596106"/>
           </a:xfrm>
           <a:prstGeom prst="rect">
             <a:avLst/>
@@ -2996,7 +3001,7 @@
       </p:pic>
       <p:pic>
         <p:nvPicPr>
-          <p:cNvPr id="6" name="Picture 5"/>
+          <p:cNvPr id="8" name="Picture 7"/>
           <p:cNvPicPr>
             <a:picLocks noChangeAspect="1"/>
           </p:cNvPicPr>
@@ -3016,8 +3021,8 @@
         </p:blipFill>
         <p:spPr>
           <a:xfrm>
-            <a:off x="6960260" y="803068"/>
-            <a:ext cx="3406898" cy="4782761"/>
+            <a:off x="315356" y="200726"/>
+            <a:ext cx="6489700" cy="6527800"/>
           </a:xfrm>
           <a:prstGeom prst="rect">
             <a:avLst/>

--- a/Project-2.pptx
+++ b/Project-2.pptx
@@ -5,7 +5,9 @@
     <p:sldMasterId id="2147483648" r:id="rId1"/>
   </p:sldMasterIdLst>
   <p:sldIdLst>
-    <p:sldId id="256" r:id="rId2"/>
+    <p:sldId id="258" r:id="rId2"/>
+    <p:sldId id="257" r:id="rId3"/>
+    <p:sldId id="256" r:id="rId4"/>
   </p:sldIdLst>
   <p:sldSz cx="12192000" cy="6858000"/>
   <p:notesSz cx="6858000" cy="9144000"/>
@@ -243,7 +245,7 @@
           <a:p>
             <a:fld id="{3D7E49C7-1AE3-0F49-895F-28F824CDA63D}" type="datetimeFigureOut">
               <a:rPr lang="en-US" smtClean="0"/>
-              <a:t>8/2/17</a:t>
+              <a:t>8/3/17</a:t>
             </a:fld>
             <a:endParaRPr lang="en-US"/>
           </a:p>
@@ -413,7 +415,7 @@
           <a:p>
             <a:fld id="{3D7E49C7-1AE3-0F49-895F-28F824CDA63D}" type="datetimeFigureOut">
               <a:rPr lang="en-US" smtClean="0"/>
-              <a:t>8/2/17</a:t>
+              <a:t>8/3/17</a:t>
             </a:fld>
             <a:endParaRPr lang="en-US"/>
           </a:p>
@@ -593,7 +595,7 @@
           <a:p>
             <a:fld id="{3D7E49C7-1AE3-0F49-895F-28F824CDA63D}" type="datetimeFigureOut">
               <a:rPr lang="en-US" smtClean="0"/>
-              <a:t>8/2/17</a:t>
+              <a:t>8/3/17</a:t>
             </a:fld>
             <a:endParaRPr lang="en-US"/>
           </a:p>
@@ -763,7 +765,7 @@
           <a:p>
             <a:fld id="{3D7E49C7-1AE3-0F49-895F-28F824CDA63D}" type="datetimeFigureOut">
               <a:rPr lang="en-US" smtClean="0"/>
-              <a:t>8/2/17</a:t>
+              <a:t>8/3/17</a:t>
             </a:fld>
             <a:endParaRPr lang="en-US"/>
           </a:p>
@@ -1009,7 +1011,7 @@
           <a:p>
             <a:fld id="{3D7E49C7-1AE3-0F49-895F-28F824CDA63D}" type="datetimeFigureOut">
               <a:rPr lang="en-US" smtClean="0"/>
-              <a:t>8/2/17</a:t>
+              <a:t>8/3/17</a:t>
             </a:fld>
             <a:endParaRPr lang="en-US"/>
           </a:p>
@@ -1241,7 +1243,7 @@
           <a:p>
             <a:fld id="{3D7E49C7-1AE3-0F49-895F-28F824CDA63D}" type="datetimeFigureOut">
               <a:rPr lang="en-US" smtClean="0"/>
-              <a:t>8/2/17</a:t>
+              <a:t>8/3/17</a:t>
             </a:fld>
             <a:endParaRPr lang="en-US"/>
           </a:p>
@@ -1608,7 +1610,7 @@
           <a:p>
             <a:fld id="{3D7E49C7-1AE3-0F49-895F-28F824CDA63D}" type="datetimeFigureOut">
               <a:rPr lang="en-US" smtClean="0"/>
-              <a:t>8/2/17</a:t>
+              <a:t>8/3/17</a:t>
             </a:fld>
             <a:endParaRPr lang="en-US"/>
           </a:p>
@@ -1726,7 +1728,7 @@
           <a:p>
             <a:fld id="{3D7E49C7-1AE3-0F49-895F-28F824CDA63D}" type="datetimeFigureOut">
               <a:rPr lang="en-US" smtClean="0"/>
-              <a:t>8/2/17</a:t>
+              <a:t>8/3/17</a:t>
             </a:fld>
             <a:endParaRPr lang="en-US"/>
           </a:p>
@@ -1821,7 +1823,7 @@
           <a:p>
             <a:fld id="{3D7E49C7-1AE3-0F49-895F-28F824CDA63D}" type="datetimeFigureOut">
               <a:rPr lang="en-US" smtClean="0"/>
-              <a:t>8/2/17</a:t>
+              <a:t>8/3/17</a:t>
             </a:fld>
             <a:endParaRPr lang="en-US"/>
           </a:p>
@@ -2098,7 +2100,7 @@
           <a:p>
             <a:fld id="{3D7E49C7-1AE3-0F49-895F-28F824CDA63D}" type="datetimeFigureOut">
               <a:rPr lang="en-US" smtClean="0"/>
-              <a:t>8/2/17</a:t>
+              <a:t>8/3/17</a:t>
             </a:fld>
             <a:endParaRPr lang="en-US"/>
           </a:p>
@@ -2351,7 +2353,7 @@
           <a:p>
             <a:fld id="{3D7E49C7-1AE3-0F49-895F-28F824CDA63D}" type="datetimeFigureOut">
               <a:rPr lang="en-US" smtClean="0"/>
-              <a:t>8/2/17</a:t>
+              <a:t>8/3/17</a:t>
             </a:fld>
             <a:endParaRPr lang="en-US"/>
           </a:p>
@@ -2564,7 +2566,7 @@
           <a:p>
             <a:fld id="{3D7E49C7-1AE3-0F49-895F-28F824CDA63D}" type="datetimeFigureOut">
               <a:rPr lang="en-US" smtClean="0"/>
-              <a:t>8/2/17</a:t>
+              <a:t>8/3/17</a:t>
             </a:fld>
             <a:endParaRPr lang="en-US"/>
           </a:p>
@@ -2969,6 +2971,764 @@
           <a:chExt cx="0" cy="0"/>
         </a:xfrm>
       </p:grpSpPr>
+      <p:sp>
+        <p:nvSpPr>
+          <p:cNvPr id="4" name="Rectangle 3"/>
+          <p:cNvSpPr/>
+          <p:nvPr/>
+        </p:nvSpPr>
+        <p:spPr>
+          <a:xfrm>
+            <a:off x="700644" y="320633"/>
+            <a:ext cx="2850078" cy="2683824"/>
+          </a:xfrm>
+          <a:prstGeom prst="rect">
+            <a:avLst/>
+          </a:prstGeom>
+        </p:spPr>
+        <p:style>
+          <a:lnRef idx="2">
+            <a:schemeClr val="accent1">
+              <a:shade val="50000"/>
+            </a:schemeClr>
+          </a:lnRef>
+          <a:fillRef idx="1">
+            <a:schemeClr val="accent1"/>
+          </a:fillRef>
+          <a:effectRef idx="0">
+            <a:schemeClr val="accent1"/>
+          </a:effectRef>
+          <a:fontRef idx="minor">
+            <a:schemeClr val="lt1"/>
+          </a:fontRef>
+        </p:style>
+        <p:txBody>
+          <a:bodyPr rtlCol="0" anchor="ctr"/>
+          <a:lstStyle/>
+          <a:p>
+            <a:pPr algn="ctr"/>
+            <a:r>
+              <a:rPr lang="en-US" sz="3200" b="1" u="sng" dirty="0" smtClean="0"/>
+              <a:t>User</a:t>
+            </a:r>
+            <a:endParaRPr lang="en-US" sz="3200" b="1" u="sng" dirty="0"/>
+          </a:p>
+          <a:p>
+            <a:pPr algn="ctr"/>
+            <a:endParaRPr lang="en-US" dirty="0" smtClean="0"/>
+          </a:p>
+          <a:p>
+            <a:pPr algn="ctr"/>
+            <a:r>
+              <a:rPr lang="en-US" dirty="0" smtClean="0"/>
+              <a:t>Name</a:t>
+            </a:r>
+          </a:p>
+          <a:p>
+            <a:pPr algn="ctr"/>
+            <a:r>
+              <a:rPr lang="en-US" dirty="0" smtClean="0"/>
+              <a:t>Email</a:t>
+            </a:r>
+          </a:p>
+          <a:p>
+            <a:pPr algn="ctr"/>
+            <a:r>
+              <a:rPr lang="en-US" dirty="0" smtClean="0"/>
+              <a:t>Password</a:t>
+            </a:r>
+            <a:endParaRPr lang="en-US" dirty="0"/>
+          </a:p>
+        </p:txBody>
+      </p:sp>
+      <p:sp>
+        <p:nvSpPr>
+          <p:cNvPr id="5" name="Rectangle 4"/>
+          <p:cNvSpPr/>
+          <p:nvPr/>
+        </p:nvSpPr>
+        <p:spPr>
+          <a:xfrm>
+            <a:off x="8191995" y="320633"/>
+            <a:ext cx="2850078" cy="2683824"/>
+          </a:xfrm>
+          <a:prstGeom prst="rect">
+            <a:avLst/>
+          </a:prstGeom>
+        </p:spPr>
+        <p:style>
+          <a:lnRef idx="2">
+            <a:schemeClr val="accent1">
+              <a:shade val="50000"/>
+            </a:schemeClr>
+          </a:lnRef>
+          <a:fillRef idx="1">
+            <a:schemeClr val="accent1"/>
+          </a:fillRef>
+          <a:effectRef idx="0">
+            <a:schemeClr val="accent1"/>
+          </a:effectRef>
+          <a:fontRef idx="minor">
+            <a:schemeClr val="lt1"/>
+          </a:fontRef>
+        </p:style>
+        <p:txBody>
+          <a:bodyPr rtlCol="0" anchor="ctr"/>
+          <a:lstStyle/>
+          <a:p>
+            <a:pPr algn="ctr"/>
+            <a:r>
+              <a:rPr lang="en-US" sz="3200" b="1" u="sng" dirty="0" smtClean="0"/>
+              <a:t>Country</a:t>
+            </a:r>
+            <a:endParaRPr lang="en-US" sz="3200" b="1" u="sng" dirty="0"/>
+          </a:p>
+          <a:p>
+            <a:pPr algn="ctr"/>
+            <a:endParaRPr lang="en-US" dirty="0" smtClean="0"/>
+          </a:p>
+          <a:p>
+            <a:pPr algn="ctr"/>
+            <a:r>
+              <a:rPr lang="en-US" dirty="0" smtClean="0"/>
+              <a:t>Name</a:t>
+            </a:r>
+          </a:p>
+          <a:p>
+            <a:pPr algn="ctr"/>
+            <a:r>
+              <a:rPr lang="en-US" dirty="0" err="1" smtClean="0"/>
+              <a:t>ISOcode</a:t>
+            </a:r>
+            <a:endParaRPr lang="en-US" dirty="0" smtClean="0"/>
+          </a:p>
+          <a:p>
+            <a:pPr algn="ctr"/>
+            <a:r>
+              <a:rPr lang="en-US" dirty="0" smtClean="0"/>
+              <a:t>Zoom</a:t>
+            </a:r>
+            <a:endParaRPr lang="en-US" dirty="0"/>
+          </a:p>
+        </p:txBody>
+      </p:sp>
+      <p:sp>
+        <p:nvSpPr>
+          <p:cNvPr id="6" name="Rectangle 5"/>
+          <p:cNvSpPr/>
+          <p:nvPr/>
+        </p:nvSpPr>
+        <p:spPr>
+          <a:xfrm>
+            <a:off x="4268189" y="3004457"/>
+            <a:ext cx="2850078" cy="2683824"/>
+          </a:xfrm>
+          <a:prstGeom prst="rect">
+            <a:avLst/>
+          </a:prstGeom>
+        </p:spPr>
+        <p:style>
+          <a:lnRef idx="2">
+            <a:schemeClr val="accent1">
+              <a:shade val="50000"/>
+            </a:schemeClr>
+          </a:lnRef>
+          <a:fillRef idx="1">
+            <a:schemeClr val="accent1"/>
+          </a:fillRef>
+          <a:effectRef idx="0">
+            <a:schemeClr val="accent1"/>
+          </a:effectRef>
+          <a:fontRef idx="minor">
+            <a:schemeClr val="lt1"/>
+          </a:fontRef>
+        </p:style>
+        <p:txBody>
+          <a:bodyPr rtlCol="0" anchor="ctr"/>
+          <a:lstStyle/>
+          <a:p>
+            <a:pPr algn="ctr"/>
+            <a:r>
+              <a:rPr lang="en-US" sz="3200" b="1" u="sng" dirty="0" smtClean="0"/>
+              <a:t>Votes</a:t>
+            </a:r>
+            <a:endParaRPr lang="en-US" sz="3200" b="1" u="sng" dirty="0"/>
+          </a:p>
+          <a:p>
+            <a:pPr algn="ctr"/>
+            <a:endParaRPr lang="en-US" dirty="0" smtClean="0"/>
+          </a:p>
+          <a:p>
+            <a:pPr algn="ctr"/>
+            <a:r>
+              <a:rPr lang="en-US" dirty="0" smtClean="0"/>
+              <a:t>Points</a:t>
+            </a:r>
+          </a:p>
+          <a:p>
+            <a:pPr algn="ctr"/>
+            <a:r>
+              <a:rPr lang="en-US" dirty="0" smtClean="0"/>
+              <a:t>Month</a:t>
+            </a:r>
+          </a:p>
+          <a:p>
+            <a:pPr algn="ctr"/>
+            <a:r>
+              <a:rPr lang="en-US" dirty="0" smtClean="0"/>
+              <a:t>Country [Ref]</a:t>
+            </a:r>
+          </a:p>
+          <a:p>
+            <a:pPr algn="ctr"/>
+            <a:r>
+              <a:rPr lang="en-US" dirty="0" smtClean="0"/>
+              <a:t>User [Ref]</a:t>
+            </a:r>
+            <a:endParaRPr lang="en-US" dirty="0"/>
+          </a:p>
+        </p:txBody>
+      </p:sp>
+      <p:cxnSp>
+        <p:nvCxnSpPr>
+          <p:cNvPr id="8" name="Elbow Connector 7"/>
+          <p:cNvCxnSpPr/>
+          <p:nvPr/>
+        </p:nvCxnSpPr>
+        <p:spPr>
+          <a:xfrm>
+            <a:off x="2838203" y="1662545"/>
+            <a:ext cx="2142506" cy="1341912"/>
+          </a:xfrm>
+          <a:prstGeom prst="bentConnector2">
+            <a:avLst/>
+          </a:prstGeom>
+        </p:spPr>
+        <p:style>
+          <a:lnRef idx="1">
+            <a:schemeClr val="accent1"/>
+          </a:lnRef>
+          <a:fillRef idx="0">
+            <a:schemeClr val="accent1"/>
+          </a:fillRef>
+          <a:effectRef idx="0">
+            <a:schemeClr val="accent1"/>
+          </a:effectRef>
+          <a:fontRef idx="minor">
+            <a:schemeClr val="tx1"/>
+          </a:fontRef>
+        </p:style>
+      </p:cxnSp>
+      <p:cxnSp>
+        <p:nvCxnSpPr>
+          <p:cNvPr id="14" name="Elbow Connector 13"/>
+          <p:cNvCxnSpPr>
+            <a:stCxn id="5" idx="1"/>
+          </p:cNvCxnSpPr>
+          <p:nvPr/>
+        </p:nvCxnSpPr>
+        <p:spPr>
+          <a:xfrm rot="10800000" flipV="1">
+            <a:off x="4962895" y="1662544"/>
+            <a:ext cx="3229100" cy="1425039"/>
+          </a:xfrm>
+          <a:prstGeom prst="bentConnector3">
+            <a:avLst/>
+          </a:prstGeom>
+        </p:spPr>
+        <p:style>
+          <a:lnRef idx="1">
+            <a:schemeClr val="accent1"/>
+          </a:lnRef>
+          <a:fillRef idx="0">
+            <a:schemeClr val="accent1"/>
+          </a:fillRef>
+          <a:effectRef idx="0">
+            <a:schemeClr val="accent1"/>
+          </a:effectRef>
+          <a:fontRef idx="minor">
+            <a:schemeClr val="tx1"/>
+          </a:fontRef>
+        </p:style>
+      </p:cxnSp>
+      <p:cxnSp>
+        <p:nvCxnSpPr>
+          <p:cNvPr id="17" name="Straight Connector 16"/>
+          <p:cNvCxnSpPr/>
+          <p:nvPr/>
+        </p:nvCxnSpPr>
+        <p:spPr>
+          <a:xfrm flipH="1">
+            <a:off x="4750130" y="2683823"/>
+            <a:ext cx="230579" cy="320634"/>
+          </a:xfrm>
+          <a:prstGeom prst="line">
+            <a:avLst/>
+          </a:prstGeom>
+        </p:spPr>
+        <p:style>
+          <a:lnRef idx="1">
+            <a:schemeClr val="accent1"/>
+          </a:lnRef>
+          <a:fillRef idx="0">
+            <a:schemeClr val="accent1"/>
+          </a:fillRef>
+          <a:effectRef idx="0">
+            <a:schemeClr val="accent1"/>
+          </a:effectRef>
+          <a:fontRef idx="minor">
+            <a:schemeClr val="tx1"/>
+          </a:fontRef>
+        </p:style>
+      </p:cxnSp>
+      <p:cxnSp>
+        <p:nvCxnSpPr>
+          <p:cNvPr id="18" name="Straight Connector 17"/>
+          <p:cNvCxnSpPr/>
+          <p:nvPr/>
+        </p:nvCxnSpPr>
+        <p:spPr>
+          <a:xfrm flipH="1">
+            <a:off x="6346866" y="2683823"/>
+            <a:ext cx="230579" cy="320634"/>
+          </a:xfrm>
+          <a:prstGeom prst="line">
+            <a:avLst/>
+          </a:prstGeom>
+        </p:spPr>
+        <p:style>
+          <a:lnRef idx="1">
+            <a:schemeClr val="accent1"/>
+          </a:lnRef>
+          <a:fillRef idx="0">
+            <a:schemeClr val="accent1"/>
+          </a:fillRef>
+          <a:effectRef idx="0">
+            <a:schemeClr val="accent1"/>
+          </a:effectRef>
+          <a:fontRef idx="minor">
+            <a:schemeClr val="tx1"/>
+          </a:fontRef>
+        </p:style>
+      </p:cxnSp>
+      <p:cxnSp>
+        <p:nvCxnSpPr>
+          <p:cNvPr id="20" name="Straight Connector 19"/>
+          <p:cNvCxnSpPr/>
+          <p:nvPr/>
+        </p:nvCxnSpPr>
+        <p:spPr>
+          <a:xfrm>
+            <a:off x="4980709" y="2683823"/>
+            <a:ext cx="185057" cy="320634"/>
+          </a:xfrm>
+          <a:prstGeom prst="line">
+            <a:avLst/>
+          </a:prstGeom>
+        </p:spPr>
+        <p:style>
+          <a:lnRef idx="1">
+            <a:schemeClr val="accent1"/>
+          </a:lnRef>
+          <a:fillRef idx="0">
+            <a:schemeClr val="accent1"/>
+          </a:fillRef>
+          <a:effectRef idx="0">
+            <a:schemeClr val="accent1"/>
+          </a:effectRef>
+          <a:fontRef idx="minor">
+            <a:schemeClr val="tx1"/>
+          </a:fontRef>
+        </p:style>
+      </p:cxnSp>
+      <p:cxnSp>
+        <p:nvCxnSpPr>
+          <p:cNvPr id="21" name="Straight Connector 20"/>
+          <p:cNvCxnSpPr/>
+          <p:nvPr/>
+        </p:nvCxnSpPr>
+        <p:spPr>
+          <a:xfrm>
+            <a:off x="6594765" y="2683823"/>
+            <a:ext cx="185057" cy="320634"/>
+          </a:xfrm>
+          <a:prstGeom prst="line">
+            <a:avLst/>
+          </a:prstGeom>
+        </p:spPr>
+        <p:style>
+          <a:lnRef idx="1">
+            <a:schemeClr val="accent1"/>
+          </a:lnRef>
+          <a:fillRef idx="0">
+            <a:schemeClr val="accent1"/>
+          </a:fillRef>
+          <a:effectRef idx="0">
+            <a:schemeClr val="accent1"/>
+          </a:effectRef>
+          <a:fontRef idx="minor">
+            <a:schemeClr val="tx1"/>
+          </a:fontRef>
+        </p:style>
+      </p:cxnSp>
+      <p:cxnSp>
+        <p:nvCxnSpPr>
+          <p:cNvPr id="23" name="Straight Connector 22"/>
+          <p:cNvCxnSpPr/>
+          <p:nvPr/>
+        </p:nvCxnSpPr>
+        <p:spPr>
+          <a:xfrm>
+            <a:off x="7932717" y="1389413"/>
+            <a:ext cx="0" cy="593766"/>
+          </a:xfrm>
+          <a:prstGeom prst="line">
+            <a:avLst/>
+          </a:prstGeom>
+        </p:spPr>
+        <p:style>
+          <a:lnRef idx="1">
+            <a:schemeClr val="accent1"/>
+          </a:lnRef>
+          <a:fillRef idx="0">
+            <a:schemeClr val="accent1"/>
+          </a:fillRef>
+          <a:effectRef idx="0">
+            <a:schemeClr val="accent1"/>
+          </a:effectRef>
+          <a:fontRef idx="minor">
+            <a:schemeClr val="tx1"/>
+          </a:fontRef>
+        </p:style>
+      </p:cxnSp>
+      <p:cxnSp>
+        <p:nvCxnSpPr>
+          <p:cNvPr id="24" name="Straight Connector 23"/>
+          <p:cNvCxnSpPr/>
+          <p:nvPr/>
+        </p:nvCxnSpPr>
+        <p:spPr>
+          <a:xfrm>
+            <a:off x="7776359" y="1389413"/>
+            <a:ext cx="0" cy="593766"/>
+          </a:xfrm>
+          <a:prstGeom prst="line">
+            <a:avLst/>
+          </a:prstGeom>
+        </p:spPr>
+        <p:style>
+          <a:lnRef idx="1">
+            <a:schemeClr val="accent1"/>
+          </a:lnRef>
+          <a:fillRef idx="0">
+            <a:schemeClr val="accent1"/>
+          </a:fillRef>
+          <a:effectRef idx="0">
+            <a:schemeClr val="accent1"/>
+          </a:effectRef>
+          <a:fontRef idx="minor">
+            <a:schemeClr val="tx1"/>
+          </a:fontRef>
+        </p:style>
+      </p:cxnSp>
+      <p:cxnSp>
+        <p:nvCxnSpPr>
+          <p:cNvPr id="25" name="Straight Connector 24"/>
+          <p:cNvCxnSpPr/>
+          <p:nvPr/>
+        </p:nvCxnSpPr>
+        <p:spPr>
+          <a:xfrm>
+            <a:off x="3714998" y="1389413"/>
+            <a:ext cx="0" cy="593766"/>
+          </a:xfrm>
+          <a:prstGeom prst="line">
+            <a:avLst/>
+          </a:prstGeom>
+        </p:spPr>
+        <p:style>
+          <a:lnRef idx="1">
+            <a:schemeClr val="accent1"/>
+          </a:lnRef>
+          <a:fillRef idx="0">
+            <a:schemeClr val="accent1"/>
+          </a:fillRef>
+          <a:effectRef idx="0">
+            <a:schemeClr val="accent1"/>
+          </a:effectRef>
+          <a:fontRef idx="minor">
+            <a:schemeClr val="tx1"/>
+          </a:fontRef>
+        </p:style>
+      </p:cxnSp>
+      <p:cxnSp>
+        <p:nvCxnSpPr>
+          <p:cNvPr id="26" name="Straight Connector 25"/>
+          <p:cNvCxnSpPr/>
+          <p:nvPr/>
+        </p:nvCxnSpPr>
+        <p:spPr>
+          <a:xfrm>
+            <a:off x="3891149" y="1389413"/>
+            <a:ext cx="0" cy="593766"/>
+          </a:xfrm>
+          <a:prstGeom prst="line">
+            <a:avLst/>
+          </a:prstGeom>
+        </p:spPr>
+        <p:style>
+          <a:lnRef idx="1">
+            <a:schemeClr val="accent1"/>
+          </a:lnRef>
+          <a:fillRef idx="0">
+            <a:schemeClr val="accent1"/>
+          </a:fillRef>
+          <a:effectRef idx="0">
+            <a:schemeClr val="accent1"/>
+          </a:effectRef>
+          <a:fontRef idx="minor">
+            <a:schemeClr val="tx1"/>
+          </a:fontRef>
+        </p:style>
+      </p:cxnSp>
+      <p:sp>
+        <p:nvSpPr>
+          <p:cNvPr id="27" name="TextBox 26"/>
+          <p:cNvSpPr txBox="1"/>
+          <p:nvPr/>
+        </p:nvSpPr>
+        <p:spPr>
+          <a:xfrm>
+            <a:off x="5165272" y="320633"/>
+            <a:ext cx="1283030" cy="523220"/>
+          </a:xfrm>
+          <a:prstGeom prst="rect">
+            <a:avLst/>
+          </a:prstGeom>
+          <a:noFill/>
+        </p:spPr>
+        <p:txBody>
+          <a:bodyPr wrap="square" rtlCol="0">
+            <a:spAutoFit/>
+          </a:bodyPr>
+          <a:lstStyle/>
+          <a:p>
+            <a:r>
+              <a:rPr lang="en-US" sz="2800" smtClean="0"/>
+              <a:t>Models</a:t>
+            </a:r>
+            <a:endParaRPr lang="en-US" sz="2800"/>
+          </a:p>
+        </p:txBody>
+      </p:sp>
+    </p:spTree>
+    <p:extLst>
+      <p:ext uri="{BB962C8B-B14F-4D97-AF65-F5344CB8AC3E}">
+        <p14:creationId xmlns:p14="http://schemas.microsoft.com/office/powerpoint/2010/main" val="362682051"/>
+      </p:ext>
+    </p:extLst>
+  </p:cSld>
+  <p:clrMapOvr>
+    <a:masterClrMapping/>
+  </p:clrMapOvr>
+</p:sld>
+</file>
+
+<file path=ppt/slides/slide2.xml><?xml version="1.0" encoding="utf-8"?>
+<p:sld xmlns:a="http://schemas.openxmlformats.org/drawingml/2006/main" xmlns:r="http://schemas.openxmlformats.org/officeDocument/2006/relationships" xmlns:p="http://schemas.openxmlformats.org/presentationml/2006/main">
+  <p:cSld>
+    <p:spTree>
+      <p:nvGrpSpPr>
+        <p:cNvPr id="1" name=""/>
+        <p:cNvGrpSpPr/>
+        <p:nvPr/>
+      </p:nvGrpSpPr>
+      <p:grpSpPr>
+        <a:xfrm>
+          <a:off x="0" y="0"/>
+          <a:ext cx="0" cy="0"/>
+          <a:chOff x="0" y="0"/>
+          <a:chExt cx="0" cy="0"/>
+        </a:xfrm>
+      </p:grpSpPr>
+      <p:pic>
+        <p:nvPicPr>
+          <p:cNvPr id="5" name="Picture 4"/>
+          <p:cNvPicPr>
+            <a:picLocks noChangeAspect="1"/>
+          </p:cNvPicPr>
+          <p:nvPr/>
+        </p:nvPicPr>
+        <p:blipFill>
+          <a:blip r:embed="rId2">
+            <a:extLst>
+              <a:ext uri="{28A0092B-C50C-407E-A947-70E740481C1C}">
+                <a14:useLocalDpi xmlns:a14="http://schemas.microsoft.com/office/drawing/2010/main" val="0"/>
+              </a:ext>
+            </a:extLst>
+          </a:blip>
+          <a:stretch>
+            <a:fillRect/>
+          </a:stretch>
+        </p:blipFill>
+        <p:spPr>
+          <a:xfrm>
+            <a:off x="581890" y="3070532"/>
+            <a:ext cx="7635833" cy="3599895"/>
+          </a:xfrm>
+          <a:prstGeom prst="rect">
+            <a:avLst/>
+          </a:prstGeom>
+        </p:spPr>
+      </p:pic>
+      <p:pic>
+        <p:nvPicPr>
+          <p:cNvPr id="6" name="Picture 5"/>
+          <p:cNvPicPr>
+            <a:picLocks noChangeAspect="1"/>
+          </p:cNvPicPr>
+          <p:nvPr/>
+        </p:nvPicPr>
+        <p:blipFill>
+          <a:blip r:embed="rId3">
+            <a:extLst>
+              <a:ext uri="{28A0092B-C50C-407E-A947-70E740481C1C}">
+                <a14:useLocalDpi xmlns:a14="http://schemas.microsoft.com/office/drawing/2010/main" val="0"/>
+              </a:ext>
+            </a:extLst>
+          </a:blip>
+          <a:stretch>
+            <a:fillRect/>
+          </a:stretch>
+        </p:blipFill>
+        <p:spPr>
+          <a:xfrm>
+            <a:off x="367805" y="0"/>
+            <a:ext cx="5023592" cy="3070532"/>
+          </a:xfrm>
+          <a:prstGeom prst="rect">
+            <a:avLst/>
+          </a:prstGeom>
+        </p:spPr>
+      </p:pic>
+      <p:sp>
+        <p:nvSpPr>
+          <p:cNvPr id="7" name="Left Arrow 6"/>
+          <p:cNvSpPr/>
+          <p:nvPr/>
+        </p:nvSpPr>
+        <p:spPr>
+          <a:xfrm>
+            <a:off x="5688281" y="1021278"/>
+            <a:ext cx="1341911" cy="1021278"/>
+          </a:xfrm>
+          <a:prstGeom prst="leftArrow">
+            <a:avLst/>
+          </a:prstGeom>
+        </p:spPr>
+        <p:style>
+          <a:lnRef idx="2">
+            <a:schemeClr val="accent1">
+              <a:shade val="50000"/>
+            </a:schemeClr>
+          </a:lnRef>
+          <a:fillRef idx="1">
+            <a:schemeClr val="accent1"/>
+          </a:fillRef>
+          <a:effectRef idx="0">
+            <a:schemeClr val="accent1"/>
+          </a:effectRef>
+          <a:fontRef idx="minor">
+            <a:schemeClr val="lt1"/>
+          </a:fontRef>
+        </p:style>
+        <p:txBody>
+          <a:bodyPr rtlCol="0" anchor="ctr"/>
+          <a:lstStyle/>
+          <a:p>
+            <a:pPr algn="ctr"/>
+            <a:r>
+              <a:rPr lang="en-US" smtClean="0"/>
+              <a:t>Front End</a:t>
+            </a:r>
+            <a:endParaRPr lang="en-US"/>
+          </a:p>
+        </p:txBody>
+      </p:sp>
+      <p:sp>
+        <p:nvSpPr>
+          <p:cNvPr id="8" name="Left Arrow 7"/>
+          <p:cNvSpPr/>
+          <p:nvPr/>
+        </p:nvSpPr>
+        <p:spPr>
+          <a:xfrm>
+            <a:off x="8431808" y="4071257"/>
+            <a:ext cx="1341911" cy="1021278"/>
+          </a:xfrm>
+          <a:prstGeom prst="leftArrow">
+            <a:avLst/>
+          </a:prstGeom>
+        </p:spPr>
+        <p:style>
+          <a:lnRef idx="2">
+            <a:schemeClr val="accent1">
+              <a:shade val="50000"/>
+            </a:schemeClr>
+          </a:lnRef>
+          <a:fillRef idx="1">
+            <a:schemeClr val="accent1"/>
+          </a:fillRef>
+          <a:effectRef idx="0">
+            <a:schemeClr val="accent1"/>
+          </a:effectRef>
+          <a:fontRef idx="minor">
+            <a:schemeClr val="lt1"/>
+          </a:fontRef>
+        </p:style>
+        <p:txBody>
+          <a:bodyPr rtlCol="0" anchor="ctr"/>
+          <a:lstStyle/>
+          <a:p>
+            <a:pPr algn="ctr"/>
+            <a:r>
+              <a:rPr lang="en-US" dirty="0" smtClean="0"/>
+              <a:t>Back End</a:t>
+            </a:r>
+            <a:endParaRPr lang="en-US" dirty="0"/>
+          </a:p>
+        </p:txBody>
+      </p:sp>
+    </p:spTree>
+    <p:extLst>
+      <p:ext uri="{BB962C8B-B14F-4D97-AF65-F5344CB8AC3E}">
+        <p14:creationId xmlns:p14="http://schemas.microsoft.com/office/powerpoint/2010/main" val="1004392829"/>
+      </p:ext>
+    </p:extLst>
+  </p:cSld>
+  <p:clrMapOvr>
+    <a:masterClrMapping/>
+  </p:clrMapOvr>
+</p:sld>
+</file>
+
+<file path=ppt/slides/slide3.xml><?xml version="1.0" encoding="utf-8"?>
+<p:sld xmlns:a="http://schemas.openxmlformats.org/drawingml/2006/main" xmlns:r="http://schemas.openxmlformats.org/officeDocument/2006/relationships" xmlns:p="http://schemas.openxmlformats.org/presentationml/2006/main">
+  <p:cSld>
+    <p:spTree>
+      <p:nvGrpSpPr>
+        <p:cNvPr id="1" name=""/>
+        <p:cNvGrpSpPr/>
+        <p:nvPr/>
+      </p:nvGrpSpPr>
+      <p:grpSpPr>
+        <a:xfrm>
+          <a:off x="0" y="0"/>
+          <a:ext cx="0" cy="0"/>
+          <a:chOff x="0" y="0"/>
+          <a:chExt cx="0" cy="0"/>
+        </a:xfrm>
+      </p:grpSpPr>
       <p:pic>
         <p:nvPicPr>
           <p:cNvPr id="7" name="Picture 6"/>
@@ -2991,8 +3751,8 @@
         </p:blipFill>
         <p:spPr>
           <a:xfrm>
-            <a:off x="7209642" y="433119"/>
-            <a:ext cx="3240644" cy="4596106"/>
+            <a:off x="5182838" y="0"/>
+            <a:ext cx="2481943" cy="3520064"/>
           </a:xfrm>
           <a:prstGeom prst="rect">
             <a:avLst/>
@@ -3021,14 +3781,131 @@
         </p:blipFill>
         <p:spPr>
           <a:xfrm>
-            <a:off x="315356" y="200726"/>
-            <a:ext cx="6489700" cy="6527800"/>
+            <a:off x="-1" y="0"/>
+            <a:ext cx="5182839" cy="5213267"/>
           </a:xfrm>
           <a:prstGeom prst="rect">
             <a:avLst/>
           </a:prstGeom>
         </p:spPr>
       </p:pic>
+      <p:pic>
+        <p:nvPicPr>
+          <p:cNvPr id="2" name="Picture 1"/>
+          <p:cNvPicPr>
+            <a:picLocks noChangeAspect="1"/>
+          </p:cNvPicPr>
+          <p:nvPr/>
+        </p:nvPicPr>
+        <p:blipFill rotWithShape="1">
+          <a:blip r:embed="rId4">
+            <a:extLst>
+              <a:ext uri="{28A0092B-C50C-407E-A947-70E740481C1C}">
+                <a14:useLocalDpi xmlns:a14="http://schemas.microsoft.com/office/drawing/2010/main" val="0"/>
+              </a:ext>
+            </a:extLst>
+          </a:blip>
+          <a:srcRect l="1910" r="3447"/>
+          <a:stretch/>
+        </p:blipFill>
+        <p:spPr>
+          <a:xfrm>
+            <a:off x="3705101" y="4771653"/>
+            <a:ext cx="8486899" cy="2086347"/>
+          </a:xfrm>
+          <a:prstGeom prst="rect">
+            <a:avLst/>
+          </a:prstGeom>
+        </p:spPr>
+      </p:pic>
+      <p:sp>
+        <p:nvSpPr>
+          <p:cNvPr id="3" name="Down Arrow Callout 2"/>
+          <p:cNvSpPr/>
+          <p:nvPr/>
+        </p:nvSpPr>
+        <p:spPr>
+          <a:xfrm>
+            <a:off x="8645237" y="3900074"/>
+            <a:ext cx="2434442" cy="743178"/>
+          </a:xfrm>
+          <a:prstGeom prst="downArrowCallout">
+            <a:avLst/>
+          </a:prstGeom>
+        </p:spPr>
+        <p:style>
+          <a:lnRef idx="2">
+            <a:schemeClr val="accent1">
+              <a:shade val="50000"/>
+            </a:schemeClr>
+          </a:lnRef>
+          <a:fillRef idx="1">
+            <a:schemeClr val="accent1"/>
+          </a:fillRef>
+          <a:effectRef idx="0">
+            <a:schemeClr val="accent1"/>
+          </a:effectRef>
+          <a:fontRef idx="minor">
+            <a:schemeClr val="lt1"/>
+          </a:fontRef>
+        </p:style>
+        <p:txBody>
+          <a:bodyPr rtlCol="0" anchor="ctr"/>
+          <a:lstStyle/>
+          <a:p>
+            <a:pPr algn="ctr"/>
+            <a:r>
+              <a:rPr lang="en-US" smtClean="0"/>
+              <a:t>Front End</a:t>
+            </a:r>
+            <a:endParaRPr lang="en-US"/>
+          </a:p>
+        </p:txBody>
+      </p:sp>
+      <p:sp>
+        <p:nvSpPr>
+          <p:cNvPr id="4" name="Up Arrow Callout 3"/>
+          <p:cNvSpPr/>
+          <p:nvPr/>
+        </p:nvSpPr>
+        <p:spPr>
+          <a:xfrm>
+            <a:off x="249382" y="5355771"/>
+            <a:ext cx="1947553" cy="510639"/>
+          </a:xfrm>
+          <a:prstGeom prst="upArrowCallout">
+            <a:avLst/>
+          </a:prstGeom>
+        </p:spPr>
+        <p:style>
+          <a:lnRef idx="2">
+            <a:schemeClr val="accent1">
+              <a:shade val="50000"/>
+            </a:schemeClr>
+          </a:lnRef>
+          <a:fillRef idx="1">
+            <a:schemeClr val="accent1"/>
+          </a:fillRef>
+          <a:effectRef idx="0">
+            <a:schemeClr val="accent1"/>
+          </a:effectRef>
+          <a:fontRef idx="minor">
+            <a:schemeClr val="lt1"/>
+          </a:fontRef>
+        </p:style>
+        <p:txBody>
+          <a:bodyPr rtlCol="0" anchor="ctr"/>
+          <a:lstStyle/>
+          <a:p>
+            <a:pPr algn="ctr"/>
+            <a:r>
+              <a:rPr lang="en-US" dirty="0" smtClean="0"/>
+              <a:t>Back end</a:t>
+            </a:r>
+            <a:endParaRPr lang="en-US" dirty="0"/>
+          </a:p>
+        </p:txBody>
+      </p:sp>
     </p:spTree>
     <p:extLst>
       <p:ext uri="{BB962C8B-B14F-4D97-AF65-F5344CB8AC3E}">

--- a/Project-2.pptx
+++ b/Project-2.pptx
@@ -8,6 +8,7 @@
     <p:sldId id="258" r:id="rId2"/>
     <p:sldId id="257" r:id="rId3"/>
     <p:sldId id="256" r:id="rId4"/>
+    <p:sldId id="259" r:id="rId5"/>
   </p:sldIdLst>
   <p:sldSz cx="12192000" cy="6858000"/>
   <p:notesSz cx="6858000" cy="9144000"/>
@@ -245,7 +246,7 @@
           <a:p>
             <a:fld id="{3D7E49C7-1AE3-0F49-895F-28F824CDA63D}" type="datetimeFigureOut">
               <a:rPr lang="en-US" smtClean="0"/>
-              <a:t>8/3/17</a:t>
+              <a:t>8/4/17</a:t>
             </a:fld>
             <a:endParaRPr lang="en-US"/>
           </a:p>
@@ -415,7 +416,7 @@
           <a:p>
             <a:fld id="{3D7E49C7-1AE3-0F49-895F-28F824CDA63D}" type="datetimeFigureOut">
               <a:rPr lang="en-US" smtClean="0"/>
-              <a:t>8/3/17</a:t>
+              <a:t>8/4/17</a:t>
             </a:fld>
             <a:endParaRPr lang="en-US"/>
           </a:p>
@@ -595,7 +596,7 @@
           <a:p>
             <a:fld id="{3D7E49C7-1AE3-0F49-895F-28F824CDA63D}" type="datetimeFigureOut">
               <a:rPr lang="en-US" smtClean="0"/>
-              <a:t>8/3/17</a:t>
+              <a:t>8/4/17</a:t>
             </a:fld>
             <a:endParaRPr lang="en-US"/>
           </a:p>
@@ -765,7 +766,7 @@
           <a:p>
             <a:fld id="{3D7E49C7-1AE3-0F49-895F-28F824CDA63D}" type="datetimeFigureOut">
               <a:rPr lang="en-US" smtClean="0"/>
-              <a:t>8/3/17</a:t>
+              <a:t>8/4/17</a:t>
             </a:fld>
             <a:endParaRPr lang="en-US"/>
           </a:p>
@@ -1011,7 +1012,7 @@
           <a:p>
             <a:fld id="{3D7E49C7-1AE3-0F49-895F-28F824CDA63D}" type="datetimeFigureOut">
               <a:rPr lang="en-US" smtClean="0"/>
-              <a:t>8/3/17</a:t>
+              <a:t>8/4/17</a:t>
             </a:fld>
             <a:endParaRPr lang="en-US"/>
           </a:p>
@@ -1243,7 +1244,7 @@
           <a:p>
             <a:fld id="{3D7E49C7-1AE3-0F49-895F-28F824CDA63D}" type="datetimeFigureOut">
               <a:rPr lang="en-US" smtClean="0"/>
-              <a:t>8/3/17</a:t>
+              <a:t>8/4/17</a:t>
             </a:fld>
             <a:endParaRPr lang="en-US"/>
           </a:p>
@@ -1610,7 +1611,7 @@
           <a:p>
             <a:fld id="{3D7E49C7-1AE3-0F49-895F-28F824CDA63D}" type="datetimeFigureOut">
               <a:rPr lang="en-US" smtClean="0"/>
-              <a:t>8/3/17</a:t>
+              <a:t>8/4/17</a:t>
             </a:fld>
             <a:endParaRPr lang="en-US"/>
           </a:p>
@@ -1728,7 +1729,7 @@
           <a:p>
             <a:fld id="{3D7E49C7-1AE3-0F49-895F-28F824CDA63D}" type="datetimeFigureOut">
               <a:rPr lang="en-US" smtClean="0"/>
-              <a:t>8/3/17</a:t>
+              <a:t>8/4/17</a:t>
             </a:fld>
             <a:endParaRPr lang="en-US"/>
           </a:p>
@@ -1823,7 +1824,7 @@
           <a:p>
             <a:fld id="{3D7E49C7-1AE3-0F49-895F-28F824CDA63D}" type="datetimeFigureOut">
               <a:rPr lang="en-US" smtClean="0"/>
-              <a:t>8/3/17</a:t>
+              <a:t>8/4/17</a:t>
             </a:fld>
             <a:endParaRPr lang="en-US"/>
           </a:p>
@@ -2100,7 +2101,7 @@
           <a:p>
             <a:fld id="{3D7E49C7-1AE3-0F49-895F-28F824CDA63D}" type="datetimeFigureOut">
               <a:rPr lang="en-US" smtClean="0"/>
-              <a:t>8/3/17</a:t>
+              <a:t>8/4/17</a:t>
             </a:fld>
             <a:endParaRPr lang="en-US"/>
           </a:p>
@@ -2353,7 +2354,7 @@
           <a:p>
             <a:fld id="{3D7E49C7-1AE3-0F49-895F-28F824CDA63D}" type="datetimeFigureOut">
               <a:rPr lang="en-US" smtClean="0"/>
-              <a:t>8/3/17</a:t>
+              <a:t>8/4/17</a:t>
             </a:fld>
             <a:endParaRPr lang="en-US"/>
           </a:p>
@@ -2566,7 +2567,7 @@
           <a:p>
             <a:fld id="{3D7E49C7-1AE3-0F49-895F-28F824CDA63D}" type="datetimeFigureOut">
               <a:rPr lang="en-US" smtClean="0"/>
-              <a:t>8/3/17</a:t>
+              <a:t>8/4/17</a:t>
             </a:fld>
             <a:endParaRPr lang="en-US"/>
           </a:p>
@@ -3731,7 +3732,7 @@
       </p:grpSpPr>
       <p:pic>
         <p:nvPicPr>
-          <p:cNvPr id="7" name="Picture 6"/>
+          <p:cNvPr id="8" name="Picture 7"/>
           <p:cNvPicPr>
             <a:picLocks noChangeAspect="1"/>
           </p:cNvPicPr>
@@ -3751,17 +3752,61 @@
         </p:blipFill>
         <p:spPr>
           <a:xfrm>
-            <a:off x="5182838" y="0"/>
-            <a:ext cx="2481943" cy="3520064"/>
+            <a:off x="0" y="0"/>
+            <a:ext cx="4773882" cy="4801909"/>
           </a:xfrm>
           <a:prstGeom prst="rect">
             <a:avLst/>
           </a:prstGeom>
         </p:spPr>
       </p:pic>
+      <p:sp>
+        <p:nvSpPr>
+          <p:cNvPr id="4" name="Up Arrow Callout 3"/>
+          <p:cNvSpPr/>
+          <p:nvPr/>
+        </p:nvSpPr>
+        <p:spPr>
+          <a:xfrm>
+            <a:off x="106878" y="4801909"/>
+            <a:ext cx="1947553" cy="510639"/>
+          </a:xfrm>
+          <a:prstGeom prst="upArrowCallout">
+            <a:avLst/>
+          </a:prstGeom>
+        </p:spPr>
+        <p:style>
+          <a:lnRef idx="2">
+            <a:schemeClr val="accent1">
+              <a:shade val="50000"/>
+            </a:schemeClr>
+          </a:lnRef>
+          <a:fillRef idx="1">
+            <a:schemeClr val="accent1"/>
+          </a:fillRef>
+          <a:effectRef idx="0">
+            <a:schemeClr val="accent1"/>
+          </a:effectRef>
+          <a:fontRef idx="minor">
+            <a:schemeClr val="lt1"/>
+          </a:fontRef>
+        </p:style>
+        <p:txBody>
+          <a:bodyPr rtlCol="0" anchor="ctr"/>
+          <a:lstStyle/>
+          <a:p>
+            <a:pPr algn="ctr"/>
+            <a:r>
+              <a:rPr lang="en-US" dirty="0" smtClean="0"/>
+              <a:t>Back end</a:t>
+            </a:r>
+            <a:endParaRPr lang="en-US" dirty="0"/>
+          </a:p>
+        </p:txBody>
+      </p:sp>
       <p:pic>
         <p:nvPicPr>
-          <p:cNvPr id="8" name="Picture 7"/>
+          <p:cNvPr id="7" name="Picture 6"/>
           <p:cNvPicPr>
             <a:picLocks noChangeAspect="1"/>
           </p:cNvPicPr>
@@ -3781,8 +3826,8 @@
         </p:blipFill>
         <p:spPr>
           <a:xfrm>
-            <a:off x="-1" y="0"/>
-            <a:ext cx="5182839" cy="5213267"/>
+            <a:off x="3889614" y="3675413"/>
+            <a:ext cx="2243993" cy="3182587"/>
           </a:xfrm>
           <a:prstGeom prst="rect">
             <a:avLst/>
@@ -3791,13 +3836,13 @@
       </p:pic>
       <p:pic>
         <p:nvPicPr>
-          <p:cNvPr id="2" name="Picture 1"/>
+          <p:cNvPr id="5" name="Picture 4"/>
           <p:cNvPicPr>
             <a:picLocks noChangeAspect="1"/>
           </p:cNvPicPr>
           <p:nvPr/>
         </p:nvPicPr>
-        <p:blipFill rotWithShape="1">
+        <p:blipFill>
           <a:blip r:embed="rId4">
             <a:extLst>
               <a:ext uri="{28A0092B-C50C-407E-A947-70E740481C1C}">
@@ -3805,28 +3850,59 @@
               </a:ext>
             </a:extLst>
           </a:blip>
-          <a:srcRect l="1910" r="3447"/>
-          <a:stretch/>
+          <a:stretch>
+            <a:fillRect/>
+          </a:stretch>
         </p:blipFill>
         <p:spPr>
           <a:xfrm>
-            <a:off x="3705101" y="4771653"/>
-            <a:ext cx="8486899" cy="2086347"/>
+            <a:off x="5982454" y="0"/>
+            <a:ext cx="6209546" cy="4405745"/>
           </a:xfrm>
           <a:prstGeom prst="rect">
             <a:avLst/>
           </a:prstGeom>
         </p:spPr>
       </p:pic>
-      <p:sp>
-        <p:nvSpPr>
-          <p:cNvPr id="3" name="Down Arrow Callout 2"/>
+    </p:spTree>
+    <p:extLst>
+      <p:ext uri="{BB962C8B-B14F-4D97-AF65-F5344CB8AC3E}">
+        <p14:creationId xmlns:p14="http://schemas.microsoft.com/office/powerpoint/2010/main" val="2070202092"/>
+      </p:ext>
+    </p:extLst>
+  </p:cSld>
+  <p:clrMapOvr>
+    <a:masterClrMapping/>
+  </p:clrMapOvr>
+</p:sld>
+</file>
+
+<file path=ppt/slides/slide4.xml><?xml version="1.0" encoding="utf-8"?>
+<p:sld xmlns:a="http://schemas.openxmlformats.org/drawingml/2006/main" xmlns:r="http://schemas.openxmlformats.org/officeDocument/2006/relationships" xmlns:p="http://schemas.openxmlformats.org/presentationml/2006/main">
+  <p:cSld>
+    <p:spTree>
+      <p:nvGrpSpPr>
+        <p:cNvPr id="1" name=""/>
+        <p:cNvGrpSpPr/>
+        <p:nvPr/>
+      </p:nvGrpSpPr>
+      <p:grpSpPr>
+        <a:xfrm>
+          <a:off x="0" y="0"/>
+          <a:ext cx="0" cy="0"/>
+          <a:chOff x="0" y="0"/>
+          <a:chExt cx="0" cy="0"/>
+        </a:xfrm>
+      </p:grpSpPr>
+      <p:sp>
+        <p:nvSpPr>
+          <p:cNvPr id="5" name="Down Arrow Callout 4"/>
           <p:cNvSpPr/>
           <p:nvPr/>
         </p:nvSpPr>
         <p:spPr>
           <a:xfrm>
-            <a:off x="8645237" y="3900074"/>
+            <a:off x="1270659" y="859990"/>
             <a:ext cx="2434442" cy="743178"/>
           </a:xfrm>
           <a:prstGeom prst="downArrowCallout">
@@ -3862,54 +3938,40 @@
           </a:p>
         </p:txBody>
       </p:sp>
-      <p:sp>
-        <p:nvSpPr>
-          <p:cNvPr id="4" name="Up Arrow Callout 3"/>
-          <p:cNvSpPr/>
+      <p:pic>
+        <p:nvPicPr>
+          <p:cNvPr id="6" name="Picture 5"/>
+          <p:cNvPicPr>
+            <a:picLocks noChangeAspect="1"/>
+          </p:cNvPicPr>
           <p:nvPr/>
-        </p:nvSpPr>
-        <p:spPr>
-          <a:xfrm>
-            <a:off x="249382" y="5355771"/>
-            <a:ext cx="1947553" cy="510639"/>
-          </a:xfrm>
-          <a:prstGeom prst="upArrowCallout">
+        </p:nvPicPr>
+        <p:blipFill>
+          <a:blip r:embed="rId2">
+            <a:extLst>
+              <a:ext uri="{28A0092B-C50C-407E-A947-70E740481C1C}">
+                <a14:useLocalDpi xmlns:a14="http://schemas.microsoft.com/office/drawing/2010/main" val="0"/>
+              </a:ext>
+            </a:extLst>
+          </a:blip>
+          <a:stretch>
+            <a:fillRect/>
+          </a:stretch>
+        </p:blipFill>
+        <p:spPr>
+          <a:xfrm>
+            <a:off x="0" y="1856154"/>
+            <a:ext cx="12192000" cy="5001846"/>
+          </a:xfrm>
+          <a:prstGeom prst="rect">
             <a:avLst/>
           </a:prstGeom>
         </p:spPr>
-        <p:style>
-          <a:lnRef idx="2">
-            <a:schemeClr val="accent1">
-              <a:shade val="50000"/>
-            </a:schemeClr>
-          </a:lnRef>
-          <a:fillRef idx="1">
-            <a:schemeClr val="accent1"/>
-          </a:fillRef>
-          <a:effectRef idx="0">
-            <a:schemeClr val="accent1"/>
-          </a:effectRef>
-          <a:fontRef idx="minor">
-            <a:schemeClr val="lt1"/>
-          </a:fontRef>
-        </p:style>
-        <p:txBody>
-          <a:bodyPr rtlCol="0" anchor="ctr"/>
-          <a:lstStyle/>
-          <a:p>
-            <a:pPr algn="ctr"/>
-            <a:r>
-              <a:rPr lang="en-US" dirty="0" smtClean="0"/>
-              <a:t>Back end</a:t>
-            </a:r>
-            <a:endParaRPr lang="en-US" dirty="0"/>
-          </a:p>
-        </p:txBody>
-      </p:sp>
+      </p:pic>
     </p:spTree>
     <p:extLst>
       <p:ext uri="{BB962C8B-B14F-4D97-AF65-F5344CB8AC3E}">
-        <p14:creationId xmlns:p14="http://schemas.microsoft.com/office/powerpoint/2010/main" val="2070202092"/>
+        <p14:creationId xmlns:p14="http://schemas.microsoft.com/office/powerpoint/2010/main" val="528320783"/>
       </p:ext>
     </p:extLst>
   </p:cSld>
